--- a/MEMORYCOMICS.pptx
+++ b/MEMORYCOMICS.pptx
@@ -3831,7 +3831,7 @@
         </p:blipFill>
         <p:spPr bwMode="auto">
           <a:xfrm>
-            <a:off x="1440902" y="1813184"/>
+            <a:off x="1618702" y="1927484"/>
             <a:ext cx="4305935" cy="3763645"/>
           </a:xfrm>
           <a:prstGeom prst="rect">
@@ -3848,6 +3848,36 @@
               </a:prstClr>
             </a:outerShdw>
           </a:effectLst>
+        </p:spPr>
+      </p:pic>
+      <p:pic>
+        <p:nvPicPr>
+          <p:cNvPr id="3" name="Imagen 2"/>
+          <p:cNvPicPr>
+            <a:picLocks noChangeAspect="1"/>
+          </p:cNvPicPr>
+          <p:nvPr/>
+        </p:nvPicPr>
+        <p:blipFill>
+          <a:blip r:embed="rId3">
+            <a:extLst>
+              <a:ext uri="{28A0092B-C50C-407E-A947-70E740481C1C}">
+                <a14:useLocalDpi xmlns:a14="http://schemas.microsoft.com/office/drawing/2010/main" val="0"/>
+              </a:ext>
+            </a:extLst>
+          </a:blip>
+          <a:stretch>
+            <a:fillRect/>
+          </a:stretch>
+        </p:blipFill>
+        <p:spPr>
+          <a:xfrm>
+            <a:off x="6899103" y="697368"/>
+            <a:ext cx="3171997" cy="5373232"/>
+          </a:xfrm>
+          <a:prstGeom prst="rect">
+            <a:avLst/>
+          </a:prstGeom>
         </p:spPr>
       </p:pic>
     </p:spTree>

--- a/MEMORYCOMICS.pptx
+++ b/MEMORYCOMICS.pptx
@@ -6,9 +6,12 @@
   </p:sldMasterIdLst>
   <p:sldIdLst>
     <p:sldId id="256" r:id="rId2"/>
-    <p:sldId id="258" r:id="rId3"/>
-    <p:sldId id="259" r:id="rId4"/>
-    <p:sldId id="260" r:id="rId5"/>
+    <p:sldId id="261" r:id="rId3"/>
+    <p:sldId id="262" r:id="rId4"/>
+    <p:sldId id="263" r:id="rId5"/>
+    <p:sldId id="258" r:id="rId6"/>
+    <p:sldId id="259" r:id="rId7"/>
+    <p:sldId id="260" r:id="rId8"/>
   </p:sldIdLst>
   <p:sldSz cx="12192000" cy="6858000"/>
   <p:notesSz cx="6858000" cy="9144000"/>
@@ -3676,78 +3679,47 @@
             <p:ph type="title"/>
           </p:nvPr>
         </p:nvSpPr>
-        <p:spPr>
-          <a:xfrm>
-            <a:off x="196357" y="230941"/>
-            <a:ext cx="9603275" cy="1049235"/>
-          </a:xfrm>
-        </p:spPr>
-        <p:txBody>
-          <a:bodyPr/>
-          <a:lstStyle/>
-          <a:p>
-            <a:r>
-              <a:rPr lang="es-MX" dirty="0" smtClean="0">
-                <a:solidFill>
-                  <a:srgbClr val="92D050"/>
-                </a:solidFill>
-              </a:rPr>
-              <a:t>DESPLIEGUE DEL SISTEMA</a:t>
-            </a:r>
-            <a:endParaRPr lang="en-US" dirty="0">
-              <a:solidFill>
-                <a:srgbClr val="92D050"/>
-              </a:solidFill>
-            </a:endParaRPr>
-          </a:p>
-        </p:txBody>
-      </p:sp>
-      <p:pic>
-        <p:nvPicPr>
-          <p:cNvPr id="4" name="Imagen 3"/>
-          <p:cNvPicPr/>
-          <p:nvPr/>
-        </p:nvPicPr>
-        <p:blipFill>
-          <a:blip r:embed="rId2">
-            <a:extLst>
-              <a:ext uri="{28A0092B-C50C-407E-A947-70E740481C1C}">
-                <a14:useLocalDpi xmlns:a14="http://schemas.microsoft.com/office/drawing/2010/main" val="0"/>
-              </a:ext>
-            </a:extLst>
-          </a:blip>
-          <a:srcRect/>
-          <a:stretch>
-            <a:fillRect/>
-          </a:stretch>
-        </p:blipFill>
-        <p:spPr bwMode="auto">
-          <a:xfrm>
-            <a:off x="2015226" y="1155469"/>
-            <a:ext cx="8475433" cy="4971011"/>
-          </a:xfrm>
-          <a:prstGeom prst="rect">
-            <a:avLst/>
-          </a:prstGeom>
-          <a:noFill/>
-          <a:ln>
-            <a:solidFill>
-              <a:schemeClr val="accent1"/>
-            </a:solidFill>
-          </a:ln>
-          <a:effectLst>
-            <a:outerShdw blurRad="50800" dist="38100" dir="2700000" algn="tl" rotWithShape="0">
-              <a:prstClr val="black">
-                <a:alpha val="40000"/>
-              </a:prstClr>
-            </a:outerShdw>
-          </a:effectLst>
-        </p:spPr>
-      </p:pic>
+        <p:spPr/>
+        <p:txBody>
+          <a:bodyPr/>
+          <a:lstStyle/>
+          <a:p>
+            <a:pPr algn="ctr"/>
+            <a:r>
+              <a:rPr lang="es-PE" dirty="0" smtClean="0"/>
+              <a:t>Descripción de Empresa</a:t>
+            </a:r>
+            <a:endParaRPr lang="es-PE" dirty="0"/>
+          </a:p>
+        </p:txBody>
+      </p:sp>
+      <p:sp>
+        <p:nvSpPr>
+          <p:cNvPr id="3" name="Marcador de contenido 2"/>
+          <p:cNvSpPr>
+            <a:spLocks noGrp="1"/>
+          </p:cNvSpPr>
+          <p:nvPr>
+            <p:ph idx="1"/>
+          </p:nvPr>
+        </p:nvSpPr>
+        <p:spPr/>
+        <p:txBody>
+          <a:bodyPr/>
+          <a:lstStyle/>
+          <a:p>
+            <a:r>
+              <a:rPr lang="es-PE" dirty="0"/>
+              <a:t>MEMORYCOMICS, es una empresa sólida, con más de 8 años de experiencia en el mercado de los comics. Presta un servicio de venta de Comics en físico y venta Online, apoyados en un equipo humano competente y un sistema de gestión de calidad para la mejora continua.</a:t>
+            </a:r>
+            <a:endParaRPr lang="es-PE" dirty="0"/>
+          </a:p>
+        </p:txBody>
+      </p:sp>
     </p:spTree>
     <p:extLst>
       <p:ext uri="{BB962C8B-B14F-4D97-AF65-F5344CB8AC3E}">
-        <p14:creationId xmlns:p14="http://schemas.microsoft.com/office/powerpoint/2010/main" val="2328414500"/>
+        <p14:creationId xmlns:p14="http://schemas.microsoft.com/office/powerpoint/2010/main" val="2459746236"/>
       </p:ext>
     </p:extLst>
   </p:cSld>
@@ -3784,6 +3756,304 @@
             <p:ph type="title"/>
           </p:nvPr>
         </p:nvSpPr>
+        <p:spPr/>
+        <p:txBody>
+          <a:bodyPr/>
+          <a:lstStyle/>
+          <a:p>
+            <a:pPr algn="ctr"/>
+            <a:r>
+              <a:rPr lang="es-PE" dirty="0" smtClean="0"/>
+              <a:t>Objetivos Estratégicos de la organización</a:t>
+            </a:r>
+            <a:endParaRPr lang="es-PE" dirty="0"/>
+          </a:p>
+        </p:txBody>
+      </p:sp>
+      <p:sp>
+        <p:nvSpPr>
+          <p:cNvPr id="3" name="Marcador de contenido 2"/>
+          <p:cNvSpPr>
+            <a:spLocks noGrp="1"/>
+          </p:cNvSpPr>
+          <p:nvPr>
+            <p:ph idx="1"/>
+          </p:nvPr>
+        </p:nvSpPr>
+        <p:spPr/>
+        <p:txBody>
+          <a:bodyPr/>
+          <a:lstStyle/>
+          <a:p>
+            <a:r>
+              <a:rPr lang="es-PE" dirty="0"/>
+              <a:t>Aumentar la satisfacción de nuestros clientes. Cumplir con el programa de capacitación de personal para asegurar así su competencia. Aportar en buena medida en la política de generar empleo. Llegar a ser una de las empresas de venta de Comics reconocida en Lima. Generar acciones que permitan mejorar continuamente el servicio</a:t>
+            </a:r>
+            <a:r>
+              <a:rPr lang="es-PE" dirty="0" smtClean="0"/>
+              <a:t>.</a:t>
+            </a:r>
+            <a:endParaRPr lang="es-PE" dirty="0"/>
+          </a:p>
+        </p:txBody>
+      </p:sp>
+    </p:spTree>
+    <p:extLst>
+      <p:ext uri="{BB962C8B-B14F-4D97-AF65-F5344CB8AC3E}">
+        <p14:creationId xmlns:p14="http://schemas.microsoft.com/office/powerpoint/2010/main" val="2567689867"/>
+      </p:ext>
+    </p:extLst>
+  </p:cSld>
+  <p:clrMapOvr>
+    <a:masterClrMapping/>
+  </p:clrMapOvr>
+</p:sld>
+</file>
+
+<file path=ppt/slides/slide4.xml><?xml version="1.0" encoding="utf-8"?>
+<p:sld xmlns:a="http://schemas.openxmlformats.org/drawingml/2006/main" xmlns:r="http://schemas.openxmlformats.org/officeDocument/2006/relationships" xmlns:p="http://schemas.openxmlformats.org/presentationml/2006/main">
+  <p:cSld>
+    <p:spTree>
+      <p:nvGrpSpPr>
+        <p:cNvPr id="1" name=""/>
+        <p:cNvGrpSpPr/>
+        <p:nvPr/>
+      </p:nvGrpSpPr>
+      <p:grpSpPr>
+        <a:xfrm>
+          <a:off x="0" y="0"/>
+          <a:ext cx="0" cy="0"/>
+          <a:chOff x="0" y="0"/>
+          <a:chExt cx="0" cy="0"/>
+        </a:xfrm>
+      </p:grpSpPr>
+      <p:sp>
+        <p:nvSpPr>
+          <p:cNvPr id="2" name="Título 1"/>
+          <p:cNvSpPr>
+            <a:spLocks noGrp="1"/>
+          </p:cNvSpPr>
+          <p:nvPr>
+            <p:ph type="title"/>
+          </p:nvPr>
+        </p:nvSpPr>
+        <p:spPr/>
+        <p:txBody>
+          <a:bodyPr/>
+          <a:lstStyle/>
+          <a:p>
+            <a:pPr algn="ctr"/>
+            <a:r>
+              <a:rPr lang="es-PE" dirty="0" smtClean="0"/>
+              <a:t>Misión y Visión</a:t>
+            </a:r>
+            <a:endParaRPr lang="es-PE" dirty="0"/>
+          </a:p>
+        </p:txBody>
+      </p:sp>
+      <p:sp>
+        <p:nvSpPr>
+          <p:cNvPr id="3" name="Marcador de contenido 2"/>
+          <p:cNvSpPr>
+            <a:spLocks noGrp="1"/>
+          </p:cNvSpPr>
+          <p:nvPr>
+            <p:ph idx="1"/>
+          </p:nvPr>
+        </p:nvSpPr>
+        <p:spPr/>
+        <p:txBody>
+          <a:bodyPr/>
+          <a:lstStyle/>
+          <a:p>
+            <a:pPr marL="0" indent="0">
+              <a:buNone/>
+            </a:pPr>
+            <a:r>
+              <a:rPr lang="es-PE" dirty="0" smtClean="0"/>
+              <a:t>Visión:</a:t>
+            </a:r>
+          </a:p>
+          <a:p>
+            <a:r>
+              <a:rPr lang="es-PE" dirty="0" smtClean="0"/>
+              <a:t>Constituirnos </a:t>
+            </a:r>
+            <a:r>
+              <a:rPr lang="es-PE" dirty="0"/>
+              <a:t>en la empresa líder en el mercado de venta de Comics, desarrollando nuestros recursos humanos y técnicos para alcanzar un alto estándar de calidad y diferenciación en los servicios que brindamos a nuestros clientes.</a:t>
+            </a:r>
+          </a:p>
+          <a:p>
+            <a:pPr marL="0" indent="0">
+              <a:buNone/>
+            </a:pPr>
+            <a:r>
+              <a:rPr lang="es-PE" dirty="0" smtClean="0"/>
+              <a:t>Misión:</a:t>
+            </a:r>
+          </a:p>
+          <a:p>
+            <a:r>
+              <a:rPr lang="es-PE" dirty="0" smtClean="0"/>
+              <a:t>Prestamos </a:t>
+            </a:r>
+            <a:r>
+              <a:rPr lang="es-PE" dirty="0"/>
+              <a:t>servicios de administración y venta de Comics atendiendo el mercado Local, a través del desarrollo de productos de calidad, proporcionando soluciones globales y a la medida de las necesidades de nuestros clientes</a:t>
+            </a:r>
+            <a:endParaRPr lang="es-PE" dirty="0"/>
+          </a:p>
+        </p:txBody>
+      </p:sp>
+    </p:spTree>
+    <p:extLst>
+      <p:ext uri="{BB962C8B-B14F-4D97-AF65-F5344CB8AC3E}">
+        <p14:creationId xmlns:p14="http://schemas.microsoft.com/office/powerpoint/2010/main" val="1191247941"/>
+      </p:ext>
+    </p:extLst>
+  </p:cSld>
+  <p:clrMapOvr>
+    <a:masterClrMapping/>
+  </p:clrMapOvr>
+</p:sld>
+</file>
+
+<file path=ppt/slides/slide5.xml><?xml version="1.0" encoding="utf-8"?>
+<p:sld xmlns:a="http://schemas.openxmlformats.org/drawingml/2006/main" xmlns:r="http://schemas.openxmlformats.org/officeDocument/2006/relationships" xmlns:p="http://schemas.openxmlformats.org/presentationml/2006/main">
+  <p:cSld>
+    <p:spTree>
+      <p:nvGrpSpPr>
+        <p:cNvPr id="1" name=""/>
+        <p:cNvGrpSpPr/>
+        <p:nvPr/>
+      </p:nvGrpSpPr>
+      <p:grpSpPr>
+        <a:xfrm>
+          <a:off x="0" y="0"/>
+          <a:ext cx="0" cy="0"/>
+          <a:chOff x="0" y="0"/>
+          <a:chExt cx="0" cy="0"/>
+        </a:xfrm>
+      </p:grpSpPr>
+      <p:sp>
+        <p:nvSpPr>
+          <p:cNvPr id="2" name="Título 1"/>
+          <p:cNvSpPr>
+            <a:spLocks noGrp="1"/>
+          </p:cNvSpPr>
+          <p:nvPr>
+            <p:ph type="title"/>
+          </p:nvPr>
+        </p:nvSpPr>
+        <p:spPr>
+          <a:xfrm>
+            <a:off x="196357" y="230941"/>
+            <a:ext cx="9603275" cy="1049235"/>
+          </a:xfrm>
+        </p:spPr>
+        <p:txBody>
+          <a:bodyPr/>
+          <a:lstStyle/>
+          <a:p>
+            <a:r>
+              <a:rPr lang="es-MX" dirty="0" smtClean="0">
+                <a:solidFill>
+                  <a:srgbClr val="92D050"/>
+                </a:solidFill>
+              </a:rPr>
+              <a:t>DESPLIEGUE DEL SISTEMA</a:t>
+            </a:r>
+            <a:endParaRPr lang="en-US" dirty="0">
+              <a:solidFill>
+                <a:srgbClr val="92D050"/>
+              </a:solidFill>
+            </a:endParaRPr>
+          </a:p>
+        </p:txBody>
+      </p:sp>
+      <p:pic>
+        <p:nvPicPr>
+          <p:cNvPr id="4" name="Imagen 3"/>
+          <p:cNvPicPr/>
+          <p:nvPr/>
+        </p:nvPicPr>
+        <p:blipFill>
+          <a:blip r:embed="rId2">
+            <a:extLst>
+              <a:ext uri="{28A0092B-C50C-407E-A947-70E740481C1C}">
+                <a14:useLocalDpi xmlns:a14="http://schemas.microsoft.com/office/drawing/2010/main" val="0"/>
+              </a:ext>
+            </a:extLst>
+          </a:blip>
+          <a:srcRect/>
+          <a:stretch>
+            <a:fillRect/>
+          </a:stretch>
+        </p:blipFill>
+        <p:spPr bwMode="auto">
+          <a:xfrm>
+            <a:off x="2015226" y="1155469"/>
+            <a:ext cx="8475433" cy="4971011"/>
+          </a:xfrm>
+          <a:prstGeom prst="rect">
+            <a:avLst/>
+          </a:prstGeom>
+          <a:noFill/>
+          <a:ln>
+            <a:solidFill>
+              <a:schemeClr val="accent1"/>
+            </a:solidFill>
+          </a:ln>
+          <a:effectLst>
+            <a:outerShdw blurRad="50800" dist="38100" dir="2700000" algn="tl" rotWithShape="0">
+              <a:prstClr val="black">
+                <a:alpha val="40000"/>
+              </a:prstClr>
+            </a:outerShdw>
+          </a:effectLst>
+        </p:spPr>
+      </p:pic>
+    </p:spTree>
+    <p:extLst>
+      <p:ext uri="{BB962C8B-B14F-4D97-AF65-F5344CB8AC3E}">
+        <p14:creationId xmlns:p14="http://schemas.microsoft.com/office/powerpoint/2010/main" val="2328414500"/>
+      </p:ext>
+    </p:extLst>
+  </p:cSld>
+  <p:clrMapOvr>
+    <a:masterClrMapping/>
+  </p:clrMapOvr>
+</p:sld>
+</file>
+
+<file path=ppt/slides/slide6.xml><?xml version="1.0" encoding="utf-8"?>
+<p:sld xmlns:a="http://schemas.openxmlformats.org/drawingml/2006/main" xmlns:r="http://schemas.openxmlformats.org/officeDocument/2006/relationships" xmlns:p="http://schemas.openxmlformats.org/presentationml/2006/main">
+  <p:cSld>
+    <p:spTree>
+      <p:nvGrpSpPr>
+        <p:cNvPr id="1" name=""/>
+        <p:cNvGrpSpPr/>
+        <p:nvPr/>
+      </p:nvGrpSpPr>
+      <p:grpSpPr>
+        <a:xfrm>
+          <a:off x="0" y="0"/>
+          <a:ext cx="0" cy="0"/>
+          <a:chOff x="0" y="0"/>
+          <a:chExt cx="0" cy="0"/>
+        </a:xfrm>
+      </p:grpSpPr>
+      <p:sp>
+        <p:nvSpPr>
+          <p:cNvPr id="2" name="Título 1"/>
+          <p:cNvSpPr>
+            <a:spLocks noGrp="1"/>
+          </p:cNvSpPr>
+          <p:nvPr>
+            <p:ph type="title"/>
+          </p:nvPr>
+        </p:nvSpPr>
         <p:spPr>
           <a:xfrm>
             <a:off x="254546" y="172751"/>
@@ -3893,7 +4163,7 @@
 </p:sld>
 </file>
 
-<file path=ppt/slides/slide4.xml><?xml version="1.0" encoding="utf-8"?>
+<file path=ppt/slides/slide7.xml><?xml version="1.0" encoding="utf-8"?>
 <p:sld xmlns:a="http://schemas.openxmlformats.org/drawingml/2006/main" xmlns:r="http://schemas.openxmlformats.org/officeDocument/2006/relationships" xmlns:p="http://schemas.openxmlformats.org/presentationml/2006/main">
   <p:cSld>
     <p:spTree>
